--- a/Backstage Presentation.pptx
+++ b/Backstage Presentation.pptx
@@ -13,9 +13,9 @@
   <p:sldIdLst>
     <p:sldId id="256" r:id="rId5"/>
     <p:sldId id="271" r:id="rId6"/>
-    <p:sldId id="279" r:id="rId7"/>
+    <p:sldId id="282" r:id="rId7"/>
     <p:sldId id="281" r:id="rId8"/>
-    <p:sldId id="282" r:id="rId9"/>
+    <p:sldId id="283" r:id="rId9"/>
   </p:sldIdLst>
   <p:sldSz cx="12192000" cy="6858000"/>
   <p:notesSz cx="6858000" cy="9144000"/>
@@ -125,9 +125,9 @@
         <p14:section name="Design, Morph, Annotate, Work Together, Tell Me" id="{B9B51309-D148-4332-87C2-07BE32FBCA3B}">
           <p14:sldIdLst>
             <p14:sldId id="271"/>
-            <p14:sldId id="279"/>
+            <p14:sldId id="282"/>
             <p14:sldId id="281"/>
-            <p14:sldId id="282"/>
+            <p14:sldId id="283"/>
           </p14:sldIdLst>
         </p14:section>
         <p14:section name="Learn More" id="{2CC34DB2-6590-42C0-AD4B-A04C6060184E}">
@@ -2444,8 +2444,8 @@
         </p:nvSpPr>
         <p:spPr>
           <a:xfrm>
-            <a:off x="541610" y="1524708"/>
-            <a:ext cx="4321704" cy="3871518"/>
+            <a:off x="541609" y="1524708"/>
+            <a:ext cx="6391035" cy="3871518"/>
           </a:xfrm>
           <a:prstGeom prst="rect">
             <a:avLst/>
@@ -2453,7 +2453,7 @@
         </p:spPr>
         <p:txBody>
           <a:bodyPr vert="horz" lIns="91440" tIns="45720" rIns="91440" bIns="45720" rtlCol="0">
-            <a:normAutofit/>
+            <a:noAutofit/>
           </a:bodyPr>
           <a:lstStyle>
             <a:lvl1pPr marL="228600" indent="-228600" algn="l" defTabSz="914400" rtl="0" eaLnBrk="1" latinLnBrk="0" hangingPunct="1">
@@ -2650,7 +2650,10 @@
             </a:lvl9pPr>
           </a:lstStyle>
           <a:p>
-            <a:pPr marL="0" lvl="0" indent="0">
+            <a:pPr marL="274320" lvl="0" indent="0">
+              <a:spcBef>
+                <a:spcPts val="600"/>
+              </a:spcBef>
               <a:spcAft>
                 <a:spcPts val="600"/>
               </a:spcAft>
@@ -2658,15 +2661,36 @@
               <a:defRPr/>
             </a:pPr>
             <a:r>
-              <a:rPr lang="en-US" smtClean="0">
+              <a:rPr lang="en-US" sz="1600">
                 <a:latin typeface="Segoe UI" panose="020B0502040204020203" pitchFamily="34" charset="0"/>
                 <a:cs typeface="Segoe UI" panose="020B0502040204020203" pitchFamily="34" charset="0"/>
               </a:rPr>
-              <a:t>Name: Hieu Truong</a:t>
-            </a:r>
-          </a:p>
-          <a:p>
-            <a:pPr marL="0" lvl="0" indent="0">
+              <a:t>Hi, </a:t>
+            </a:r>
+            <a:r>
+              <a:rPr lang="en-US" sz="1600">
+                <a:latin typeface="Segoe UI" panose="020B0502040204020203" pitchFamily="34" charset="0"/>
+                <a:cs typeface="Segoe UI" panose="020B0502040204020203" pitchFamily="34" charset="0"/>
+              </a:rPr>
+              <a:t>everyone</a:t>
+            </a:r>
+            <a:r>
+              <a:rPr lang="en-US" sz="1600" smtClean="0">
+                <a:latin typeface="Segoe UI" panose="020B0502040204020203" pitchFamily="34" charset="0"/>
+                <a:cs typeface="Segoe UI" panose="020B0502040204020203" pitchFamily="34" charset="0"/>
+              </a:rPr>
+              <a:t>!</a:t>
+            </a:r>
+            <a:endParaRPr lang="en-US" sz="1600">
+              <a:latin typeface="Segoe UI" panose="020B0502040204020203" pitchFamily="34" charset="0"/>
+              <a:cs typeface="Segoe UI" panose="020B0502040204020203" pitchFamily="34" charset="0"/>
+            </a:endParaRPr>
+          </a:p>
+          <a:p>
+            <a:pPr marL="274320" lvl="0" indent="0">
+              <a:spcBef>
+                <a:spcPts val="600"/>
+              </a:spcBef>
               <a:spcAft>
                 <a:spcPts val="600"/>
               </a:spcAft>
@@ -2674,15 +2698,57 @@
               <a:defRPr/>
             </a:pPr>
             <a:r>
-              <a:rPr lang="en-US" smtClean="0">
+              <a:rPr lang="en-US" sz="1600">
                 <a:latin typeface="Segoe UI" panose="020B0502040204020203" pitchFamily="34" charset="0"/>
                 <a:cs typeface="Segoe UI" panose="020B0502040204020203" pitchFamily="34" charset="0"/>
               </a:rPr>
-              <a:t>Postion: Senior Devops Engineer</a:t>
-            </a:r>
-          </a:p>
-          <a:p>
-            <a:pPr marL="0" lvl="0" indent="0">
+              <a:t>I'm Hieu, a self-motivated, creative and hard-working DevOps </a:t>
+            </a:r>
+            <a:r>
+              <a:rPr lang="en-US" sz="1600">
+                <a:latin typeface="Segoe UI" panose="020B0502040204020203" pitchFamily="34" charset="0"/>
+                <a:cs typeface="Segoe UI" panose="020B0502040204020203" pitchFamily="34" charset="0"/>
+              </a:rPr>
+              <a:t>engineer </a:t>
+            </a:r>
+            <a:r>
+              <a:rPr lang="en-US" sz="1600" smtClean="0">
+                <a:latin typeface="Segoe UI" panose="020B0502040204020203" pitchFamily="34" charset="0"/>
+                <a:cs typeface="Segoe UI" panose="020B0502040204020203" pitchFamily="34" charset="0"/>
+              </a:rPr>
+              <a:t>with seven-year </a:t>
+            </a:r>
+            <a:r>
+              <a:rPr lang="en-US" sz="1600">
+                <a:latin typeface="Segoe UI" panose="020B0502040204020203" pitchFamily="34" charset="0"/>
+                <a:cs typeface="Segoe UI" panose="020B0502040204020203" pitchFamily="34" charset="0"/>
+              </a:rPr>
+              <a:t>experience with </a:t>
+            </a:r>
+            <a:r>
+              <a:rPr lang="en-US" sz="1600">
+                <a:latin typeface="Segoe UI" panose="020B0502040204020203" pitchFamily="34" charset="0"/>
+                <a:cs typeface="Segoe UI" panose="020B0502040204020203" pitchFamily="34" charset="0"/>
+              </a:rPr>
+              <a:t>the </a:t>
+            </a:r>
+            <a:r>
+              <a:rPr lang="en-US" sz="1600" smtClean="0">
+                <a:latin typeface="Segoe UI" panose="020B0502040204020203" pitchFamily="34" charset="0"/>
+                <a:cs typeface="Segoe UI" panose="020B0502040204020203" pitchFamily="34" charset="0"/>
+              </a:rPr>
+              <a:t>abilities:</a:t>
+            </a:r>
+            <a:endParaRPr lang="en-US" sz="1600">
+              <a:latin typeface="Segoe UI" panose="020B0502040204020203" pitchFamily="34" charset="0"/>
+              <a:cs typeface="Segoe UI" panose="020B0502040204020203" pitchFamily="34" charset="0"/>
+            </a:endParaRPr>
+          </a:p>
+          <a:p>
+            <a:pPr marL="274320" lvl="0" indent="0">
+              <a:spcBef>
+                <a:spcPts val="600"/>
+              </a:spcBef>
               <a:spcAft>
                 <a:spcPts val="600"/>
               </a:spcAft>
@@ -2690,73 +2756,25 @@
               <a:defRPr/>
             </a:pPr>
             <a:r>
-              <a:rPr lang="en-US" smtClean="0">
+              <a:rPr lang="en-US" sz="1600" smtClean="0">
                 <a:latin typeface="Segoe UI" panose="020B0502040204020203" pitchFamily="34" charset="0"/>
                 <a:cs typeface="Segoe UI" panose="020B0502040204020203" pitchFamily="34" charset="0"/>
               </a:rPr>
-              <a:t>Technical Stack</a:t>
-            </a:r>
-            <a:r>
-              <a:rPr lang="en-US" smtClean="0">
+              <a:t>• </a:t>
+            </a:r>
+            <a:r>
+              <a:rPr lang="en-US" sz="1600">
                 <a:latin typeface="Segoe UI" panose="020B0502040204020203" pitchFamily="34" charset="0"/>
                 <a:cs typeface="Segoe UI" panose="020B0502040204020203" pitchFamily="34" charset="0"/>
               </a:rPr>
-              <a:t>:</a:t>
-            </a:r>
-          </a:p>
-          <a:p>
-            <a:pPr lvl="0">
-              <a:spcAft>
+              <a:t>Ability to automate routine processes using Python, Bash</a:t>
+            </a:r>
+          </a:p>
+          <a:p>
+            <a:pPr marL="274320" lvl="0" indent="0">
+              <a:spcBef>
                 <a:spcPts val="600"/>
-              </a:spcAft>
-              <a:buFontTx/>
-              <a:buChar char="-"/>
-              <a:defRPr/>
-            </a:pPr>
-            <a:r>
-              <a:rPr lang="en-US" smtClean="0">
-                <a:latin typeface="Segoe UI" panose="020B0502040204020203" pitchFamily="34" charset="0"/>
-                <a:cs typeface="Segoe UI" panose="020B0502040204020203" pitchFamily="34" charset="0"/>
-              </a:rPr>
-              <a:t>AWS, GCP, Azure</a:t>
-            </a:r>
-          </a:p>
-          <a:p>
-            <a:pPr lvl="0">
-              <a:spcAft>
-                <a:spcPts val="600"/>
-              </a:spcAft>
-              <a:buFontTx/>
-              <a:buChar char="-"/>
-              <a:defRPr/>
-            </a:pPr>
-            <a:r>
-              <a:rPr lang="en-US" smtClean="0">
-                <a:latin typeface="Segoe UI" panose="020B0502040204020203" pitchFamily="34" charset="0"/>
-                <a:cs typeface="Segoe UI" panose="020B0502040204020203" pitchFamily="34" charset="0"/>
-              </a:rPr>
-              <a:t>Docker, Kubernetes</a:t>
-            </a:r>
-          </a:p>
-          <a:p>
-            <a:pPr lvl="0">
-              <a:spcAft>
-                <a:spcPts val="600"/>
-              </a:spcAft>
-              <a:buFontTx/>
-              <a:buChar char="-"/>
-              <a:defRPr/>
-            </a:pPr>
-            <a:r>
-              <a:rPr lang="en-US" smtClean="0">
-                <a:latin typeface="Segoe UI" panose="020B0502040204020203" pitchFamily="34" charset="0"/>
-                <a:cs typeface="Segoe UI" panose="020B0502040204020203" pitchFamily="34" charset="0"/>
-              </a:rPr>
-              <a:t>Jenkins, Gitlab Ci, Github action.</a:t>
-            </a:r>
-          </a:p>
-          <a:p>
-            <a:pPr marL="0" lvl="0" indent="0">
+              </a:spcBef>
               <a:spcAft>
                 <a:spcPts val="600"/>
               </a:spcAft>
@@ -2764,13 +2782,142 @@
               <a:defRPr/>
             </a:pPr>
             <a:r>
-              <a:rPr lang="en-US" smtClean="0">
+              <a:rPr lang="en-US" sz="1600">
                 <a:latin typeface="Segoe UI" panose="020B0502040204020203" pitchFamily="34" charset="0"/>
                 <a:cs typeface="Segoe UI" panose="020B0502040204020203" pitchFamily="34" charset="0"/>
               </a:rPr>
-              <a:t>I have worked in multiple projects with different technical stacks so I can learn and adapt with any new technologies.</a:t>
-            </a:r>
-            <a:endParaRPr lang="en-US">
+              <a:t>• Good hands-on knowledge of Source Code Management (Version </a:t>
+            </a:r>
+            <a:r>
+              <a:rPr lang="en-US" sz="1600">
+                <a:latin typeface="Segoe UI" panose="020B0502040204020203" pitchFamily="34" charset="0"/>
+                <a:cs typeface="Segoe UI" panose="020B0502040204020203" pitchFamily="34" charset="0"/>
+              </a:rPr>
+              <a:t>Control </a:t>
+            </a:r>
+            <a:r>
+              <a:rPr lang="en-US" sz="1600" smtClean="0">
+                <a:latin typeface="Segoe UI" panose="020B0502040204020203" pitchFamily="34" charset="0"/>
+                <a:cs typeface="Segoe UI" panose="020B0502040204020203" pitchFamily="34" charset="0"/>
+              </a:rPr>
+              <a:t>System) tools </a:t>
+            </a:r>
+            <a:r>
+              <a:rPr lang="en-US" sz="1600">
+                <a:latin typeface="Segoe UI" panose="020B0502040204020203" pitchFamily="34" charset="0"/>
+                <a:cs typeface="Segoe UI" panose="020B0502040204020203" pitchFamily="34" charset="0"/>
+              </a:rPr>
+              <a:t>like Git</a:t>
+            </a:r>
+          </a:p>
+          <a:p>
+            <a:pPr marL="274320" lvl="0" indent="0">
+              <a:spcBef>
+                <a:spcPts val="600"/>
+              </a:spcBef>
+              <a:spcAft>
+                <a:spcPts val="600"/>
+              </a:spcAft>
+              <a:buNone/>
+              <a:defRPr/>
+            </a:pPr>
+            <a:r>
+              <a:rPr lang="en-US" sz="1600">
+                <a:latin typeface="Segoe UI" panose="020B0502040204020203" pitchFamily="34" charset="0"/>
+                <a:cs typeface="Segoe UI" panose="020B0502040204020203" pitchFamily="34" charset="0"/>
+              </a:rPr>
+              <a:t>• Proficient in developing Continuous Integration/ Delivery pipelines</a:t>
+            </a:r>
+          </a:p>
+          <a:p>
+            <a:pPr marL="274320" lvl="0" indent="0">
+              <a:spcBef>
+                <a:spcPts val="600"/>
+              </a:spcBef>
+              <a:spcAft>
+                <a:spcPts val="600"/>
+              </a:spcAft>
+              <a:buNone/>
+              <a:defRPr/>
+            </a:pPr>
+            <a:r>
+              <a:rPr lang="en-US" sz="1600">
+                <a:latin typeface="Segoe UI" panose="020B0502040204020203" pitchFamily="34" charset="0"/>
+                <a:cs typeface="Segoe UI" panose="020B0502040204020203" pitchFamily="34" charset="0"/>
+              </a:rPr>
+              <a:t>• Experience with automation/ integration tools </a:t>
+            </a:r>
+            <a:r>
+              <a:rPr lang="en-US" sz="1600">
+                <a:latin typeface="Segoe UI" panose="020B0502040204020203" pitchFamily="34" charset="0"/>
+                <a:cs typeface="Segoe UI" panose="020B0502040204020203" pitchFamily="34" charset="0"/>
+              </a:rPr>
+              <a:t>like </a:t>
+            </a:r>
+            <a:r>
+              <a:rPr lang="en-US" sz="1600" smtClean="0">
+                <a:latin typeface="Segoe UI" panose="020B0502040204020203" pitchFamily="34" charset="0"/>
+                <a:cs typeface="Segoe UI" panose="020B0502040204020203" pitchFamily="34" charset="0"/>
+              </a:rPr>
+              <a:t>Jenkins, Gitlab-Ci, Git Hub</a:t>
+            </a:r>
+            <a:endParaRPr lang="en-US" sz="1600">
+              <a:latin typeface="Segoe UI" panose="020B0502040204020203" pitchFamily="34" charset="0"/>
+              <a:cs typeface="Segoe UI" panose="020B0502040204020203" pitchFamily="34" charset="0"/>
+            </a:endParaRPr>
+          </a:p>
+          <a:p>
+            <a:pPr marL="274320" lvl="0" indent="0">
+              <a:spcBef>
+                <a:spcPts val="600"/>
+              </a:spcBef>
+              <a:spcAft>
+                <a:spcPts val="600"/>
+              </a:spcAft>
+              <a:buNone/>
+              <a:defRPr/>
+            </a:pPr>
+            <a:r>
+              <a:rPr lang="en-US" sz="1600">
+                <a:latin typeface="Segoe UI" panose="020B0502040204020203" pitchFamily="34" charset="0"/>
+                <a:cs typeface="Segoe UI" panose="020B0502040204020203" pitchFamily="34" charset="0"/>
+              </a:rPr>
+              <a:t>• Knowledge of major cloud service providers, like AWS, GCP, Azure</a:t>
+            </a:r>
+          </a:p>
+          <a:p>
+            <a:pPr marL="274320" lvl="0" indent="0">
+              <a:spcBef>
+                <a:spcPts val="600"/>
+              </a:spcBef>
+              <a:spcAft>
+                <a:spcPts val="600"/>
+              </a:spcAft>
+              <a:buNone/>
+              <a:defRPr/>
+            </a:pPr>
+            <a:r>
+              <a:rPr lang="en-US" sz="1600">
+                <a:latin typeface="Segoe UI" panose="020B0502040204020203" pitchFamily="34" charset="0"/>
+                <a:cs typeface="Segoe UI" panose="020B0502040204020203" pitchFamily="34" charset="0"/>
+              </a:rPr>
+              <a:t>• Hands-on knowledge of software containerization platforms </a:t>
+            </a:r>
+            <a:r>
+              <a:rPr lang="en-US" sz="1600">
+                <a:latin typeface="Segoe UI" panose="020B0502040204020203" pitchFamily="34" charset="0"/>
+                <a:cs typeface="Segoe UI" panose="020B0502040204020203" pitchFamily="34" charset="0"/>
+              </a:rPr>
+              <a:t>like </a:t>
+            </a:r>
+            <a:r>
+              <a:rPr lang="en-US" sz="1600" smtClean="0">
+                <a:latin typeface="Segoe UI" panose="020B0502040204020203" pitchFamily="34" charset="0"/>
+                <a:cs typeface="Segoe UI" panose="020B0502040204020203" pitchFamily="34" charset="0"/>
+              </a:rPr>
+              <a:t>Docker,Kubernetes</a:t>
+            </a:r>
+            <a:endParaRPr lang="en-US" sz="1600">
               <a:latin typeface="Segoe UI" panose="020B0502040204020203" pitchFamily="34" charset="0"/>
               <a:cs typeface="Segoe UI" panose="020B0502040204020203" pitchFamily="34" charset="0"/>
             </a:endParaRPr>
@@ -2793,8 +2940,8 @@
         </p:blipFill>
         <p:spPr>
           <a:xfrm>
-            <a:off x="6843129" y="1524708"/>
-            <a:ext cx="2455545" cy="2583180"/>
+            <a:off x="7277878" y="1366085"/>
+            <a:ext cx="2860552" cy="3009239"/>
           </a:xfrm>
           <a:prstGeom prst="rect">
             <a:avLst/>
@@ -2841,7 +2988,7 @@
       </p:grpSpPr>
       <p:sp>
         <p:nvSpPr>
-          <p:cNvPr id="4" name="Title 3"/>
+          <p:cNvPr id="2" name="Title 1"/>
           <p:cNvSpPr>
             <a:spLocks noGrp="1"/>
           </p:cNvSpPr>
@@ -2855,306 +3002,157 @@
           <a:lstStyle/>
           <a:p>
             <a:r>
-              <a:rPr lang="en-US" smtClean="0">
-                <a:latin typeface="Segoe UI Light" panose="020B0502040204020203" pitchFamily="34" charset="0"/>
-                <a:cs typeface="Segoe UI Light" panose="020B0502040204020203" pitchFamily="34" charset="0"/>
-              </a:rPr>
-              <a:t>About this Test</a:t>
-            </a:r>
-            <a:endParaRPr lang="en-US" dirty="0">
-              <a:latin typeface="Segoe UI Light" panose="020B0502040204020203" pitchFamily="34" charset="0"/>
-              <a:cs typeface="Segoe UI Light" panose="020B0502040204020203" pitchFamily="34" charset="0"/>
-            </a:endParaRPr>
+              <a:rPr lang="en-US" smtClean="0"/>
+              <a:t>Backstage Overview</a:t>
+            </a:r>
+            <a:endParaRPr lang="en-US"/>
           </a:p>
         </p:txBody>
       </p:sp>
       <p:sp>
         <p:nvSpPr>
-          <p:cNvPr id="25" name="Content Placeholder 17"/>
-          <p:cNvSpPr txBox="1">
-            <a:spLocks/>
+          <p:cNvPr id="3" name="Content Placeholder 2"/>
+          <p:cNvSpPr>
+            <a:spLocks noGrp="1"/>
           </p:cNvSpPr>
+          <p:nvPr>
+            <p:ph sz="quarter" idx="10"/>
+          </p:nvPr>
+        </p:nvSpPr>
+        <p:spPr/>
+        <p:txBody>
+          <a:bodyPr>
+            <a:normAutofit fontScale="92500"/>
+          </a:bodyPr>
+          <a:lstStyle/>
+          <a:p>
+            <a:r>
+              <a:rPr lang="en-US"/>
+              <a:t>Backstage is an open platform for building developer </a:t>
+            </a:r>
+            <a:r>
+              <a:rPr lang="en-US"/>
+              <a:t>portals</a:t>
+            </a:r>
+            <a:r>
+              <a:rPr lang="en-US" smtClean="0"/>
+              <a:t>.</a:t>
+            </a:r>
+          </a:p>
+          <a:p>
+            <a:r>
+              <a:rPr lang="en-US" smtClean="0">
+                <a:hlinkClick r:id="rId2"/>
+              </a:rPr>
+              <a:t>Backstage Software Catalog</a:t>
+            </a:r>
+            <a:r>
+              <a:rPr lang="en-US" smtClean="0"/>
+              <a:t> for managing all your software (microservices, libraries, data pipelines, websites, ML models, etc.)</a:t>
+            </a:r>
+          </a:p>
+          <a:p>
+            <a:r>
+              <a:rPr lang="en-US" smtClean="0">
+                <a:hlinkClick r:id="rId3"/>
+              </a:rPr>
+              <a:t>Backstage </a:t>
+            </a:r>
+            <a:r>
+              <a:rPr lang="en-US">
+                <a:hlinkClick r:id="rId3"/>
+              </a:rPr>
+              <a:t>Software Templates</a:t>
+            </a:r>
+            <a:r>
+              <a:rPr lang="en-US"/>
+              <a:t> for quickly spinning up new projects and standardizing your tooling with your organization’s best practices</a:t>
+            </a:r>
+          </a:p>
+          <a:p>
+            <a:r>
+              <a:rPr lang="en-US">
+                <a:hlinkClick r:id="rId4"/>
+              </a:rPr>
+              <a:t>Backstage TechDocs</a:t>
+            </a:r>
+            <a:r>
+              <a:rPr lang="en-US"/>
+              <a:t> for making it easy to create, maintain, find, and use technical documentation, using a "docs like code" approach</a:t>
+            </a:r>
+          </a:p>
+          <a:p>
+            <a:r>
+              <a:rPr lang="en-US"/>
+              <a:t>Plus, a growing ecosystem of </a:t>
+            </a:r>
+            <a:r>
+              <a:rPr lang="en-US">
+                <a:hlinkClick r:id="rId5"/>
+              </a:rPr>
+              <a:t>open source plugins</a:t>
+            </a:r>
+            <a:r>
+              <a:rPr lang="en-US"/>
+              <a:t> that further expand Backstage’s customizability and functionality</a:t>
+            </a:r>
+          </a:p>
+          <a:p>
+            <a:endParaRPr lang="en-US"/>
+          </a:p>
+        </p:txBody>
+      </p:sp>
+      <p:pic>
+        <p:nvPicPr>
+          <p:cNvPr id="2052" name="Picture 4" descr="software-catalog"/>
+          <p:cNvPicPr>
+            <a:picLocks noChangeAspect="1" noChangeArrowheads="1"/>
+          </p:cNvPicPr>
           <p:nvPr/>
-        </p:nvSpPr>
-        <p:spPr>
+        </p:nvPicPr>
+        <p:blipFill>
+          <a:blip r:embed="rId6">
+            <a:extLst>
+              <a:ext uri="{28A0092B-C50C-407E-A947-70E740481C1C}">
+                <a14:useLocalDpi xmlns:a14="http://schemas.microsoft.com/office/drawing/2010/main" val="0"/>
+              </a:ext>
+            </a:extLst>
+          </a:blip>
+          <a:srcRect/>
+          <a:stretch>
+            <a:fillRect/>
+          </a:stretch>
+        </p:blipFill>
+        <p:spPr bwMode="auto">
           <a:xfrm>
-            <a:off x="541609" y="1455491"/>
-            <a:ext cx="7715983" cy="4170868"/>
+            <a:off x="5324735" y="2107779"/>
+            <a:ext cx="6366523" cy="3859400"/>
           </a:xfrm>
           <a:prstGeom prst="rect">
             <a:avLst/>
           </a:prstGeom>
+          <a:noFill/>
+          <a:extLst>
+            <a:ext uri="{909E8E84-426E-40DD-AFC4-6F175D3DCCD1}">
+              <a14:hiddenFill xmlns:a14="http://schemas.microsoft.com/office/drawing/2010/main">
+                <a:solidFill>
+                  <a:srgbClr val="FFFFFF"/>
+                </a:solidFill>
+              </a14:hiddenFill>
+            </a:ext>
+          </a:extLst>
         </p:spPr>
-        <p:txBody>
-          <a:bodyPr vert="horz" lIns="91440" tIns="45720" rIns="91440" bIns="45720" rtlCol="0">
-            <a:normAutofit/>
-          </a:bodyPr>
-          <a:lstStyle>
-            <a:lvl1pPr marL="228600" indent="-228600" algn="l" defTabSz="914400" rtl="0" eaLnBrk="1" latinLnBrk="0" hangingPunct="1">
-              <a:lnSpc>
-                <a:spcPts val="1800"/>
-              </a:lnSpc>
-              <a:spcBef>
-                <a:spcPts val="1000"/>
-              </a:spcBef>
-              <a:spcAft>
-                <a:spcPts val="1000"/>
-              </a:spcAft>
-              <a:buFont typeface="Arial" panose="020B0604020202020204" pitchFamily="34" charset="0"/>
-              <a:buChar char="•"/>
-              <a:defRPr lang="en-US" sz="1200" kern="1200" smtClean="0">
-                <a:solidFill>
-                  <a:schemeClr val="tx1">
-                    <a:lumMod val="75000"/>
-                    <a:lumOff val="25000"/>
-                  </a:schemeClr>
-                </a:solidFill>
-                <a:latin typeface="+mn-lt"/>
-                <a:ea typeface="+mn-ea"/>
-                <a:cs typeface="+mn-cs"/>
-              </a:defRPr>
-            </a:lvl1pPr>
-            <a:lvl2pPr marL="685800" indent="-228600" algn="l" defTabSz="914400" rtl="0" eaLnBrk="1" latinLnBrk="0" hangingPunct="1">
-              <a:lnSpc>
-                <a:spcPts val="1800"/>
-              </a:lnSpc>
-              <a:spcBef>
-                <a:spcPts val="1000"/>
-              </a:spcBef>
-              <a:spcAft>
-                <a:spcPts val="1000"/>
-              </a:spcAft>
-              <a:buFont typeface="Arial" panose="020B0604020202020204" pitchFamily="34" charset="0"/>
-              <a:buChar char="•"/>
-              <a:defRPr lang="en-US" sz="1200" kern="1200" smtClean="0">
-                <a:solidFill>
-                  <a:schemeClr val="tx1">
-                    <a:lumMod val="75000"/>
-                    <a:lumOff val="25000"/>
-                  </a:schemeClr>
-                </a:solidFill>
-                <a:latin typeface="+mn-lt"/>
-                <a:ea typeface="+mn-ea"/>
-                <a:cs typeface="+mn-cs"/>
-              </a:defRPr>
-            </a:lvl2pPr>
-            <a:lvl3pPr marL="1143000" indent="-228600" algn="l" defTabSz="914400" rtl="0" eaLnBrk="1" latinLnBrk="0" hangingPunct="1">
-              <a:lnSpc>
-                <a:spcPts val="1800"/>
-              </a:lnSpc>
-              <a:spcBef>
-                <a:spcPts val="1000"/>
-              </a:spcBef>
-              <a:spcAft>
-                <a:spcPts val="1000"/>
-              </a:spcAft>
-              <a:buFont typeface="Arial" panose="020B0604020202020204" pitchFamily="34" charset="0"/>
-              <a:buChar char="•"/>
-              <a:defRPr lang="en-US" sz="1200" kern="1200" smtClean="0">
-                <a:solidFill>
-                  <a:schemeClr val="tx1">
-                    <a:lumMod val="75000"/>
-                    <a:lumOff val="25000"/>
-                  </a:schemeClr>
-                </a:solidFill>
-                <a:latin typeface="+mn-lt"/>
-                <a:ea typeface="+mn-ea"/>
-                <a:cs typeface="+mn-cs"/>
-              </a:defRPr>
-            </a:lvl3pPr>
-            <a:lvl4pPr marL="1600200" indent="-228600" algn="l" defTabSz="914400" rtl="0" eaLnBrk="1" latinLnBrk="0" hangingPunct="1">
-              <a:lnSpc>
-                <a:spcPts val="1800"/>
-              </a:lnSpc>
-              <a:spcBef>
-                <a:spcPts val="1000"/>
-              </a:spcBef>
-              <a:spcAft>
-                <a:spcPts val="1000"/>
-              </a:spcAft>
-              <a:buFont typeface="Arial" panose="020B0604020202020204" pitchFamily="34" charset="0"/>
-              <a:buChar char="•"/>
-              <a:defRPr lang="en-US" sz="1200" kern="1200" smtClean="0">
-                <a:solidFill>
-                  <a:schemeClr val="tx1">
-                    <a:lumMod val="75000"/>
-                    <a:lumOff val="25000"/>
-                  </a:schemeClr>
-                </a:solidFill>
-                <a:latin typeface="+mn-lt"/>
-                <a:ea typeface="+mn-ea"/>
-                <a:cs typeface="+mn-cs"/>
-              </a:defRPr>
-            </a:lvl4pPr>
-            <a:lvl5pPr marL="2057400" indent="-228600" algn="l" defTabSz="914400" rtl="0" eaLnBrk="1" latinLnBrk="0" hangingPunct="1">
-              <a:lnSpc>
-                <a:spcPts val="1800"/>
-              </a:lnSpc>
-              <a:spcBef>
-                <a:spcPts val="1000"/>
-              </a:spcBef>
-              <a:spcAft>
-                <a:spcPts val="1000"/>
-              </a:spcAft>
-              <a:buFont typeface="Arial" panose="020B0604020202020204" pitchFamily="34" charset="0"/>
-              <a:buChar char="•"/>
-              <a:defRPr lang="en-US" sz="1200" kern="1200">
-                <a:solidFill>
-                  <a:schemeClr val="tx1">
-                    <a:lumMod val="75000"/>
-                    <a:lumOff val="25000"/>
-                  </a:schemeClr>
-                </a:solidFill>
-                <a:latin typeface="+mn-lt"/>
-                <a:ea typeface="+mn-ea"/>
-                <a:cs typeface="+mn-cs"/>
-              </a:defRPr>
-            </a:lvl5pPr>
-            <a:lvl6pPr marL="2514600" indent="-228600" algn="l" defTabSz="914400" rtl="0" eaLnBrk="1" latinLnBrk="0" hangingPunct="1">
-              <a:lnSpc>
-                <a:spcPct val="90000"/>
-              </a:lnSpc>
-              <a:spcBef>
-                <a:spcPct val="30000"/>
-              </a:spcBef>
-              <a:buFont typeface="Arial" panose="020B0604020202020204" pitchFamily="34" charset="0"/>
-              <a:buChar char="•"/>
-              <a:defRPr sz="1800" kern="1200">
-                <a:solidFill>
-                  <a:schemeClr val="tx1"/>
-                </a:solidFill>
-                <a:latin typeface="+mn-lt"/>
-                <a:ea typeface="+mn-ea"/>
-                <a:cs typeface="+mn-cs"/>
-              </a:defRPr>
-            </a:lvl6pPr>
-            <a:lvl7pPr marL="2971800" indent="-228600" algn="l" defTabSz="914400" rtl="0" eaLnBrk="1" latinLnBrk="0" hangingPunct="1">
-              <a:lnSpc>
-                <a:spcPct val="90000"/>
-              </a:lnSpc>
-              <a:spcBef>
-                <a:spcPct val="30000"/>
-              </a:spcBef>
-              <a:buFont typeface="Arial" panose="020B0604020202020204" pitchFamily="34" charset="0"/>
-              <a:buChar char="•"/>
-              <a:defRPr sz="1800" kern="1200">
-                <a:solidFill>
-                  <a:schemeClr val="tx1"/>
-                </a:solidFill>
-                <a:latin typeface="+mn-lt"/>
-                <a:ea typeface="+mn-ea"/>
-                <a:cs typeface="+mn-cs"/>
-              </a:defRPr>
-            </a:lvl7pPr>
-            <a:lvl8pPr marL="3429000" indent="-228600" algn="l" defTabSz="914400" rtl="0" eaLnBrk="1" latinLnBrk="0" hangingPunct="1">
-              <a:lnSpc>
-                <a:spcPct val="90000"/>
-              </a:lnSpc>
-              <a:spcBef>
-                <a:spcPct val="30000"/>
-              </a:spcBef>
-              <a:buFont typeface="Arial" panose="020B0604020202020204" pitchFamily="34" charset="0"/>
-              <a:buChar char="•"/>
-              <a:defRPr sz="1800" kern="1200">
-                <a:solidFill>
-                  <a:schemeClr val="tx1"/>
-                </a:solidFill>
-                <a:latin typeface="+mn-lt"/>
-                <a:ea typeface="+mn-ea"/>
-                <a:cs typeface="+mn-cs"/>
-              </a:defRPr>
-            </a:lvl8pPr>
-            <a:lvl9pPr marL="3886200" indent="-228600" algn="l" defTabSz="914400" rtl="0" eaLnBrk="1" latinLnBrk="0" hangingPunct="1">
-              <a:lnSpc>
-                <a:spcPct val="90000"/>
-              </a:lnSpc>
-              <a:spcBef>
-                <a:spcPct val="30000"/>
-              </a:spcBef>
-              <a:buFont typeface="Arial" panose="020B0604020202020204" pitchFamily="34" charset="0"/>
-              <a:buChar char="•"/>
-              <a:defRPr sz="1800" kern="1200">
-                <a:solidFill>
-                  <a:schemeClr val="tx1"/>
-                </a:solidFill>
-                <a:latin typeface="+mn-lt"/>
-                <a:ea typeface="+mn-ea"/>
-                <a:cs typeface="+mn-cs"/>
-              </a:defRPr>
-            </a:lvl9pPr>
-          </a:lstStyle>
-          <a:p>
-            <a:pPr>
-              <a:spcAft>
-                <a:spcPts val="2000"/>
-              </a:spcAft>
-              <a:buFontTx/>
-              <a:buChar char="-"/>
-            </a:pPr>
-            <a:r>
-              <a:rPr lang="en-US" smtClean="0">
-                <a:latin typeface="Segoe UI" panose="020B0502040204020203" pitchFamily="34" charset="0"/>
-                <a:cs typeface="Segoe UI" panose="020B0502040204020203" pitchFamily="34" charset="0"/>
-              </a:rPr>
-              <a:t>Due to short time for the test, most resources wer re-used from public resource on the internet. </a:t>
-            </a:r>
-          </a:p>
-          <a:p>
-            <a:pPr>
-              <a:spcAft>
-                <a:spcPts val="2000"/>
-              </a:spcAft>
-              <a:buFontTx/>
-              <a:buChar char="-"/>
-            </a:pPr>
-            <a:r>
-              <a:rPr lang="en-US" smtClean="0">
-                <a:latin typeface="Segoe UI" panose="020B0502040204020203" pitchFamily="34" charset="0"/>
-                <a:cs typeface="Segoe UI" panose="020B0502040204020203" pitchFamily="34" charset="0"/>
-              </a:rPr>
-              <a:t>The backstage docker build and deployment was based on official document from backstage.io</a:t>
-            </a:r>
-          </a:p>
-          <a:p>
-            <a:pPr>
-              <a:spcAft>
-                <a:spcPts val="2000"/>
-              </a:spcAft>
-              <a:buFontTx/>
-              <a:buChar char="-"/>
-            </a:pPr>
-            <a:r>
-              <a:rPr lang="en-US" smtClean="0">
-                <a:latin typeface="Segoe UI" panose="020B0502040204020203" pitchFamily="34" charset="0"/>
-                <a:cs typeface="Segoe UI" panose="020B0502040204020203" pitchFamily="34" charset="0"/>
-              </a:rPr>
-              <a:t>Some parts are not finished.</a:t>
-            </a:r>
-            <a:endParaRPr lang="en-US" dirty="0">
-              <a:latin typeface="Segoe UI" panose="020B0502040204020203" pitchFamily="34" charset="0"/>
-              <a:cs typeface="Segoe UI" panose="020B0502040204020203" pitchFamily="34" charset="0"/>
-            </a:endParaRPr>
-          </a:p>
-        </p:txBody>
-      </p:sp>
+      </p:pic>
     </p:spTree>
     <p:extLst>
       <p:ext uri="{BB962C8B-B14F-4D97-AF65-F5344CB8AC3E}">
-        <p14:creationId xmlns:p14="http://schemas.microsoft.com/office/powerpoint/2010/main" val="1107001750"/>
+        <p14:creationId xmlns:p14="http://schemas.microsoft.com/office/powerpoint/2010/main" val="1853594005"/>
       </p:ext>
     </p:extLst>
   </p:cSld>
   <p:clrMapOvr>
     <a:masterClrMapping/>
   </p:clrMapOvr>
-  <mc:AlternateContent xmlns:mc="http://schemas.openxmlformats.org/markup-compatibility/2006" xmlns:p14="http://schemas.microsoft.com/office/powerpoint/2010/main">
-    <mc:Choice Requires="p14">
-      <p:transition p14:dur="10"/>
-    </mc:Choice>
-    <mc:Fallback xmlns="">
-      <p:transition/>
-    </mc:Fallback>
-  </mc:AlternateContent>
 </p:sld>
 </file>
 
@@ -3421,41 +3419,6 @@
             </a:r>
           </a:p>
           <a:p>
-            <a:pPr marL="171450" indent="-171450">
-              <a:lnSpc>
-                <a:spcPts val="1800"/>
-              </a:lnSpc>
-              <a:spcAft>
-                <a:spcPts val="600"/>
-              </a:spcAft>
-              <a:buFontTx/>
-              <a:buChar char="-"/>
-            </a:pPr>
-            <a:r>
-              <a:rPr lang="en-US">
-                <a:solidFill>
-                  <a:prstClr val="black">
-                    <a:lumMod val="75000"/>
-                    <a:lumOff val="25000"/>
-                  </a:prstClr>
-                </a:solidFill>
-                <a:latin typeface="Segoe UI" panose="020B0502040204020203" pitchFamily="34" charset="0"/>
-                <a:cs typeface="Segoe UI" panose="020B0502040204020203" pitchFamily="34" charset="0"/>
-              </a:rPr>
-              <a:t>Modify hosts file to access the portal: https://github.com/hieutnbk2011/backstage-demo/blob/main/docs/use_backstage.md</a:t>
-            </a:r>
-            <a:endParaRPr lang="en-US" sz="1200" dirty="0">
-              <a:solidFill>
-                <a:prstClr val="black">
-                  <a:lumMod val="75000"/>
-                  <a:lumOff val="25000"/>
-                </a:prstClr>
-              </a:solidFill>
-              <a:latin typeface="Segoe UI" panose="020B0502040204020203" pitchFamily="34" charset="0"/>
-              <a:cs typeface="Segoe UI" panose="020B0502040204020203" pitchFamily="34" charset="0"/>
-            </a:endParaRPr>
-          </a:p>
-          <a:p>
             <a:pPr marL="0" indent="0">
               <a:lnSpc>
                 <a:spcPts val="1800"/>
@@ -3468,6 +3431,19 @@
               </a:spcAft>
               <a:buNone/>
             </a:pPr>
+            <a:r>
+              <a:rPr lang="en-US" sz="1200" smtClean="0">
+                <a:solidFill>
+                  <a:prstClr val="black">
+                    <a:lumMod val="75000"/>
+                    <a:lumOff val="25000"/>
+                  </a:prstClr>
+                </a:solidFill>
+                <a:latin typeface="Segoe UI" panose="020B0502040204020203" pitchFamily="34" charset="0"/>
+                <a:cs typeface="Segoe UI" panose="020B0502040204020203" pitchFamily="34" charset="0"/>
+              </a:rPr>
+              <a:t>	</a:t>
+            </a:r>
             <a:endParaRPr lang="en-US" sz="1200" dirty="0">
               <a:solidFill>
                 <a:prstClr val="black">
@@ -3543,7 +3519,7 @@
           <a:p>
             <a:r>
               <a:rPr lang="en-US" smtClean="0"/>
-              <a:t>TBD</a:t>
+              <a:t>Demo</a:t>
             </a:r>
             <a:endParaRPr lang="en-US"/>
           </a:p>
@@ -3559,19 +3535,72 @@
             <p:ph sz="quarter" idx="10"/>
           </p:nvPr>
         </p:nvSpPr>
-        <p:spPr/>
+        <p:spPr>
+          <a:xfrm>
+            <a:off x="539495" y="1435607"/>
+            <a:ext cx="8044667" cy="4675943"/>
+          </a:xfrm>
+        </p:spPr>
         <p:txBody>
           <a:bodyPr/>
           <a:lstStyle/>
           <a:p>
+            <a:r>
+              <a:rPr lang="en-US" smtClean="0"/>
+              <a:t>Features:</a:t>
+            </a:r>
+          </a:p>
+          <a:p>
+            <a:pPr marL="171450" indent="-171450">
+              <a:buFontTx/>
+              <a:buChar char="-"/>
+            </a:pPr>
+            <a:r>
+              <a:rPr lang="en-US" smtClean="0"/>
+              <a:t>Repo created.</a:t>
+            </a:r>
+          </a:p>
+          <a:p>
+            <a:pPr marL="171450" indent="-171450">
+              <a:buFontTx/>
+              <a:buChar char="-"/>
+            </a:pPr>
+            <a:r>
+              <a:rPr lang="en-US" smtClean="0"/>
+              <a:t>Github CICD action plugin.</a:t>
+            </a:r>
             <a:endParaRPr lang="en-US"/>
           </a:p>
         </p:txBody>
       </p:sp>
+      <p:pic>
+        <p:nvPicPr>
+          <p:cNvPr id="4" name="Picture 3"/>
+          <p:cNvPicPr>
+            <a:picLocks noChangeAspect="1"/>
+          </p:cNvPicPr>
+          <p:nvPr/>
+        </p:nvPicPr>
+        <p:blipFill>
+          <a:blip r:embed="rId2"/>
+          <a:stretch>
+            <a:fillRect/>
+          </a:stretch>
+        </p:blipFill>
+        <p:spPr>
+          <a:xfrm>
+            <a:off x="7259216" y="1505247"/>
+            <a:ext cx="3790950" cy="5017434"/>
+          </a:xfrm>
+          <a:prstGeom prst="rect">
+            <a:avLst/>
+          </a:prstGeom>
+        </p:spPr>
+      </p:pic>
     </p:spTree>
     <p:extLst>
       <p:ext uri="{BB962C8B-B14F-4D97-AF65-F5344CB8AC3E}">
-        <p14:creationId xmlns:p14="http://schemas.microsoft.com/office/powerpoint/2010/main" val="1853594005"/>
+        <p14:creationId xmlns:p14="http://schemas.microsoft.com/office/powerpoint/2010/main" val="3738389440"/>
       </p:ext>
     </p:extLst>
   </p:cSld>
